--- a/assets/presentations/MSANDE228_Lecture5_Prediction_with_High_Dimensional_Linear_Models.pptx
+++ b/assets/presentations/MSANDE228_Lecture5_Prediction_with_High_Dimensional_Linear_Models.pptx
@@ -37,17 +37,14 @@
     <p:sldId id="2380" r:id="rId31"/>
     <p:sldId id="2398" r:id="rId32"/>
     <p:sldId id="2401" r:id="rId33"/>
-    <p:sldId id="2402" r:id="rId34"/>
-    <p:sldId id="2382" r:id="rId35"/>
-    <p:sldId id="2384" r:id="rId36"/>
-    <p:sldId id="2403" r:id="rId37"/>
-    <p:sldId id="2404" r:id="rId38"/>
-    <p:sldId id="2405" r:id="rId39"/>
-    <p:sldId id="2385" r:id="rId40"/>
-    <p:sldId id="2386" r:id="rId41"/>
-    <p:sldId id="2406" r:id="rId42"/>
-    <p:sldId id="2407" r:id="rId43"/>
-    <p:sldId id="2408" r:id="rId44"/>
+    <p:sldId id="2382" r:id="rId34"/>
+    <p:sldId id="2384" r:id="rId35"/>
+    <p:sldId id="2403" r:id="rId36"/>
+    <p:sldId id="2405" r:id="rId37"/>
+    <p:sldId id="2385" r:id="rId38"/>
+    <p:sldId id="2386" r:id="rId39"/>
+    <p:sldId id="2406" r:id="rId40"/>
+    <p:sldId id="2407" r:id="rId41"/>
   </p:sldIdLst>
   <p:sldSz cx="12192000" cy="6858000"/>
   <p:notesSz cx="6858000" cy="9144000"/>
@@ -25264,89 +25261,6 @@
           <p:cNvPr id="2" name="Title 1">
             <a:extLst>
               <a:ext uri="{FF2B5EF4-FFF2-40B4-BE49-F238E27FC236}">
-                <a16:creationId xmlns:a16="http://schemas.microsoft.com/office/drawing/2014/main" id="{548F4048-4F74-76D5-9AF7-6E9DE9DB23C4}"/>
-              </a:ext>
-            </a:extLst>
-          </p:cNvPr>
-          <p:cNvSpPr>
-            <a:spLocks noGrp="1"/>
-          </p:cNvSpPr>
-          <p:nvPr>
-            <p:ph type="title"/>
-          </p:nvPr>
-        </p:nvSpPr>
-        <p:spPr/>
-        <p:txBody>
-          <a:bodyPr/>
-          <a:lstStyle/>
-          <a:p>
-            <a:r>
-              <a:rPr lang="en-US" dirty="0"/>
-              <a:t>Coding Example</a:t>
-            </a:r>
-          </a:p>
-        </p:txBody>
-      </p:sp>
-      <p:sp>
-        <p:nvSpPr>
-          <p:cNvPr id="3" name="Text Placeholder 2">
-            <a:extLst>
-              <a:ext uri="{FF2B5EF4-FFF2-40B4-BE49-F238E27FC236}">
-                <a16:creationId xmlns:a16="http://schemas.microsoft.com/office/drawing/2014/main" id="{49A96A67-3702-398C-0D73-72AB2E804A42}"/>
-              </a:ext>
-            </a:extLst>
-          </p:cNvPr>
-          <p:cNvSpPr>
-            <a:spLocks noGrp="1"/>
-          </p:cNvSpPr>
-          <p:nvPr>
-            <p:ph type="body" idx="1"/>
-          </p:nvPr>
-        </p:nvSpPr>
-        <p:spPr/>
-        <p:txBody>
-          <a:bodyPr/>
-          <a:lstStyle/>
-          <a:p>
-            <a:endParaRPr lang="en-US"/>
-          </a:p>
-        </p:txBody>
-      </p:sp>
-    </p:spTree>
-    <p:extLst>
-      <p:ext uri="{BB962C8B-B14F-4D97-AF65-F5344CB8AC3E}">
-        <p14:creationId xmlns:p14="http://schemas.microsoft.com/office/powerpoint/2010/main" val="161300360"/>
-      </p:ext>
-    </p:extLst>
-  </p:cSld>
-  <p:clrMapOvr>
-    <a:masterClrMapping/>
-  </p:clrMapOvr>
-</p:sld>
-</file>
-
-<file path=ppt/slides/slide34.xml><?xml version="1.0" encoding="utf-8"?>
-<p:sld xmlns:a="http://schemas.openxmlformats.org/drawingml/2006/main" xmlns:r="http://schemas.openxmlformats.org/officeDocument/2006/relationships" xmlns:p="http://schemas.openxmlformats.org/presentationml/2006/main">
-  <p:cSld>
-    <p:spTree>
-      <p:nvGrpSpPr>
-        <p:cNvPr id="1" name=""/>
-        <p:cNvGrpSpPr/>
-        <p:nvPr/>
-      </p:nvGrpSpPr>
-      <p:grpSpPr>
-        <a:xfrm>
-          <a:off x="0" y="0"/>
-          <a:ext cx="0" cy="0"/>
-          <a:chOff x="0" y="0"/>
-          <a:chExt cx="0" cy="0"/>
-        </a:xfrm>
-      </p:grpSpPr>
-      <p:sp>
-        <p:nvSpPr>
-          <p:cNvPr id="2" name="Title 1">
-            <a:extLst>
-              <a:ext uri="{FF2B5EF4-FFF2-40B4-BE49-F238E27FC236}">
                 <a16:creationId xmlns:a16="http://schemas.microsoft.com/office/drawing/2014/main" id="{DE360125-5719-06EE-4B61-3B0DDE2496C5}"/>
               </a:ext>
             </a:extLst>
@@ -26192,7 +26106,7 @@
 </p:sld>
 </file>
 
-<file path=ppt/slides/slide35.xml><?xml version="1.0" encoding="utf-8"?>
+<file path=ppt/slides/slide34.xml><?xml version="1.0" encoding="utf-8"?>
 <p:sld xmlns:a="http://schemas.openxmlformats.org/drawingml/2006/main" xmlns:r="http://schemas.openxmlformats.org/officeDocument/2006/relationships" xmlns:p="http://schemas.openxmlformats.org/presentationml/2006/main">
   <p:cSld>
     <p:spTree>
@@ -27143,7 +27057,7 @@
 </p:sld>
 </file>
 
-<file path=ppt/slides/slide36.xml><?xml version="1.0" encoding="utf-8"?>
+<file path=ppt/slides/slide35.xml><?xml version="1.0" encoding="utf-8"?>
 <p:sld xmlns:a="http://schemas.openxmlformats.org/drawingml/2006/main" xmlns:r="http://schemas.openxmlformats.org/officeDocument/2006/relationships" xmlns:p="http://schemas.openxmlformats.org/presentationml/2006/main">
   <p:cSld>
     <p:spTree>
@@ -27378,90 +27292,7 @@
 </p:sld>
 </file>
 
-<file path=ppt/slides/slide37.xml><?xml version="1.0" encoding="utf-8"?>
-<p:sld xmlns:a="http://schemas.openxmlformats.org/drawingml/2006/main" xmlns:r="http://schemas.openxmlformats.org/officeDocument/2006/relationships" xmlns:p="http://schemas.openxmlformats.org/presentationml/2006/main">
-  <p:cSld>
-    <p:spTree>
-      <p:nvGrpSpPr>
-        <p:cNvPr id="1" name=""/>
-        <p:cNvGrpSpPr/>
-        <p:nvPr/>
-      </p:nvGrpSpPr>
-      <p:grpSpPr>
-        <a:xfrm>
-          <a:off x="0" y="0"/>
-          <a:ext cx="0" cy="0"/>
-          <a:chOff x="0" y="0"/>
-          <a:chExt cx="0" cy="0"/>
-        </a:xfrm>
-      </p:grpSpPr>
-      <p:sp>
-        <p:nvSpPr>
-          <p:cNvPr id="2" name="Title 1">
-            <a:extLst>
-              <a:ext uri="{FF2B5EF4-FFF2-40B4-BE49-F238E27FC236}">
-                <a16:creationId xmlns:a16="http://schemas.microsoft.com/office/drawing/2014/main" id="{548F4048-4F74-76D5-9AF7-6E9DE9DB23C4}"/>
-              </a:ext>
-            </a:extLst>
-          </p:cNvPr>
-          <p:cNvSpPr>
-            <a:spLocks noGrp="1"/>
-          </p:cNvSpPr>
-          <p:nvPr>
-            <p:ph type="title"/>
-          </p:nvPr>
-        </p:nvSpPr>
-        <p:spPr/>
-        <p:txBody>
-          <a:bodyPr/>
-          <a:lstStyle/>
-          <a:p>
-            <a:r>
-              <a:rPr lang="en-US" dirty="0"/>
-              <a:t>Coding Example</a:t>
-            </a:r>
-          </a:p>
-        </p:txBody>
-      </p:sp>
-      <p:sp>
-        <p:nvSpPr>
-          <p:cNvPr id="3" name="Text Placeholder 2">
-            <a:extLst>
-              <a:ext uri="{FF2B5EF4-FFF2-40B4-BE49-F238E27FC236}">
-                <a16:creationId xmlns:a16="http://schemas.microsoft.com/office/drawing/2014/main" id="{49A96A67-3702-398C-0D73-72AB2E804A42}"/>
-              </a:ext>
-            </a:extLst>
-          </p:cNvPr>
-          <p:cNvSpPr>
-            <a:spLocks noGrp="1"/>
-          </p:cNvSpPr>
-          <p:nvPr>
-            <p:ph type="body" idx="1"/>
-          </p:nvPr>
-        </p:nvSpPr>
-        <p:spPr/>
-        <p:txBody>
-          <a:bodyPr/>
-          <a:lstStyle/>
-          <a:p>
-            <a:endParaRPr lang="en-US"/>
-          </a:p>
-        </p:txBody>
-      </p:sp>
-    </p:spTree>
-    <p:extLst>
-      <p:ext uri="{BB962C8B-B14F-4D97-AF65-F5344CB8AC3E}">
-        <p14:creationId xmlns:p14="http://schemas.microsoft.com/office/powerpoint/2010/main" val="1380667860"/>
-      </p:ext>
-    </p:extLst>
-  </p:cSld>
-  <p:clrMapOvr>
-    <a:masterClrMapping/>
-  </p:clrMapOvr>
-</p:sld>
-</file>
-
-<file path=ppt/slides/slide38.xml><?xml version="1.0" encoding="utf-8"?>
+<file path=ppt/slides/slide36.xml><?xml version="1.0" encoding="utf-8"?>
 <p:sld xmlns:a="http://schemas.openxmlformats.org/drawingml/2006/main" xmlns:r="http://schemas.openxmlformats.org/officeDocument/2006/relationships" xmlns:p="http://schemas.openxmlformats.org/presentationml/2006/main">
   <p:cSld>
     <p:spTree>
@@ -27934,7 +27765,7 @@
 </p:sld>
 </file>
 
-<file path=ppt/slides/slide39.xml><?xml version="1.0" encoding="utf-8"?>
+<file path=ppt/slides/slide37.xml><?xml version="1.0" encoding="utf-8"?>
 <p:sld xmlns:a="http://schemas.openxmlformats.org/drawingml/2006/main" xmlns:r="http://schemas.openxmlformats.org/officeDocument/2006/relationships" xmlns:p="http://schemas.openxmlformats.org/presentationml/2006/main">
   <p:cSld>
     <p:spTree>
@@ -28017,90 +27848,7 @@
 </p:sld>
 </file>
 
-<file path=ppt/slides/slide4.xml><?xml version="1.0" encoding="utf-8"?>
-<p:sld xmlns:a="http://schemas.openxmlformats.org/drawingml/2006/main" xmlns:r="http://schemas.openxmlformats.org/officeDocument/2006/relationships" xmlns:p="http://schemas.openxmlformats.org/presentationml/2006/main">
-  <p:cSld>
-    <p:spTree>
-      <p:nvGrpSpPr>
-        <p:cNvPr id="1" name=""/>
-        <p:cNvGrpSpPr/>
-        <p:nvPr/>
-      </p:nvGrpSpPr>
-      <p:grpSpPr>
-        <a:xfrm>
-          <a:off x="0" y="0"/>
-          <a:ext cx="0" cy="0"/>
-          <a:chOff x="0" y="0"/>
-          <a:chExt cx="0" cy="0"/>
-        </a:xfrm>
-      </p:grpSpPr>
-      <p:sp>
-        <p:nvSpPr>
-          <p:cNvPr id="2" name="Title 1">
-            <a:extLst>
-              <a:ext uri="{FF2B5EF4-FFF2-40B4-BE49-F238E27FC236}">
-                <a16:creationId xmlns:a16="http://schemas.microsoft.com/office/drawing/2014/main" id="{A06F4B67-BC95-4940-F705-CC63CE41930D}"/>
-              </a:ext>
-            </a:extLst>
-          </p:cNvPr>
-          <p:cNvSpPr>
-            <a:spLocks noGrp="1"/>
-          </p:cNvSpPr>
-          <p:nvPr>
-            <p:ph type="title"/>
-          </p:nvPr>
-        </p:nvSpPr>
-        <p:spPr/>
-        <p:txBody>
-          <a:bodyPr/>
-          <a:lstStyle/>
-          <a:p>
-            <a:r>
-              <a:rPr lang="en-US" dirty="0"/>
-              <a:t>Recap of Previous Lecture</a:t>
-            </a:r>
-          </a:p>
-        </p:txBody>
-      </p:sp>
-      <p:sp>
-        <p:nvSpPr>
-          <p:cNvPr id="3" name="Text Placeholder 2">
-            <a:extLst>
-              <a:ext uri="{FF2B5EF4-FFF2-40B4-BE49-F238E27FC236}">
-                <a16:creationId xmlns:a16="http://schemas.microsoft.com/office/drawing/2014/main" id="{4F085A79-31AE-F630-6B02-C0A6410F28CE}"/>
-              </a:ext>
-            </a:extLst>
-          </p:cNvPr>
-          <p:cNvSpPr>
-            <a:spLocks noGrp="1"/>
-          </p:cNvSpPr>
-          <p:nvPr>
-            <p:ph type="body" idx="1"/>
-          </p:nvPr>
-        </p:nvSpPr>
-        <p:spPr/>
-        <p:txBody>
-          <a:bodyPr/>
-          <a:lstStyle/>
-          <a:p>
-            <a:endParaRPr lang="en-US"/>
-          </a:p>
-        </p:txBody>
-      </p:sp>
-    </p:spTree>
-    <p:extLst>
-      <p:ext uri="{BB962C8B-B14F-4D97-AF65-F5344CB8AC3E}">
-        <p14:creationId xmlns:p14="http://schemas.microsoft.com/office/powerpoint/2010/main" val="822506833"/>
-      </p:ext>
-    </p:extLst>
-  </p:cSld>
-  <p:clrMapOvr>
-    <a:masterClrMapping/>
-  </p:clrMapOvr>
-</p:sld>
-</file>
-
-<file path=ppt/slides/slide40.xml><?xml version="1.0" encoding="utf-8"?>
+<file path=ppt/slides/slide38.xml><?xml version="1.0" encoding="utf-8"?>
 <p:sld xmlns:a="http://schemas.openxmlformats.org/drawingml/2006/main" xmlns:r="http://schemas.openxmlformats.org/officeDocument/2006/relationships" xmlns:p="http://schemas.openxmlformats.org/presentationml/2006/main">
   <p:cSld>
     <p:bg>
@@ -28840,7 +28588,7 @@
 </p:sld>
 </file>
 
-<file path=ppt/slides/slide41.xml><?xml version="1.0" encoding="utf-8"?>
+<file path=ppt/slides/slide39.xml><?xml version="1.0" encoding="utf-8"?>
 <p:sld xmlns:a="http://schemas.openxmlformats.org/drawingml/2006/main" xmlns:r="http://schemas.openxmlformats.org/officeDocument/2006/relationships" xmlns:p="http://schemas.openxmlformats.org/presentationml/2006/main">
   <p:cSld>
     <p:bg>
@@ -29597,7 +29345,90 @@
 </p:sld>
 </file>
 
-<file path=ppt/slides/slide42.xml><?xml version="1.0" encoding="utf-8"?>
+<file path=ppt/slides/slide4.xml><?xml version="1.0" encoding="utf-8"?>
+<p:sld xmlns:a="http://schemas.openxmlformats.org/drawingml/2006/main" xmlns:r="http://schemas.openxmlformats.org/officeDocument/2006/relationships" xmlns:p="http://schemas.openxmlformats.org/presentationml/2006/main">
+  <p:cSld>
+    <p:spTree>
+      <p:nvGrpSpPr>
+        <p:cNvPr id="1" name=""/>
+        <p:cNvGrpSpPr/>
+        <p:nvPr/>
+      </p:nvGrpSpPr>
+      <p:grpSpPr>
+        <a:xfrm>
+          <a:off x="0" y="0"/>
+          <a:ext cx="0" cy="0"/>
+          <a:chOff x="0" y="0"/>
+          <a:chExt cx="0" cy="0"/>
+        </a:xfrm>
+      </p:grpSpPr>
+      <p:sp>
+        <p:nvSpPr>
+          <p:cNvPr id="2" name="Title 1">
+            <a:extLst>
+              <a:ext uri="{FF2B5EF4-FFF2-40B4-BE49-F238E27FC236}">
+                <a16:creationId xmlns:a16="http://schemas.microsoft.com/office/drawing/2014/main" id="{A06F4B67-BC95-4940-F705-CC63CE41930D}"/>
+              </a:ext>
+            </a:extLst>
+          </p:cNvPr>
+          <p:cNvSpPr>
+            <a:spLocks noGrp="1"/>
+          </p:cNvSpPr>
+          <p:nvPr>
+            <p:ph type="title"/>
+          </p:nvPr>
+        </p:nvSpPr>
+        <p:spPr/>
+        <p:txBody>
+          <a:bodyPr/>
+          <a:lstStyle/>
+          <a:p>
+            <a:r>
+              <a:rPr lang="en-US" dirty="0"/>
+              <a:t>Recap of Previous Lecture</a:t>
+            </a:r>
+          </a:p>
+        </p:txBody>
+      </p:sp>
+      <p:sp>
+        <p:nvSpPr>
+          <p:cNvPr id="3" name="Text Placeholder 2">
+            <a:extLst>
+              <a:ext uri="{FF2B5EF4-FFF2-40B4-BE49-F238E27FC236}">
+                <a16:creationId xmlns:a16="http://schemas.microsoft.com/office/drawing/2014/main" id="{4F085A79-31AE-F630-6B02-C0A6410F28CE}"/>
+              </a:ext>
+            </a:extLst>
+          </p:cNvPr>
+          <p:cNvSpPr>
+            <a:spLocks noGrp="1"/>
+          </p:cNvSpPr>
+          <p:nvPr>
+            <p:ph type="body" idx="1"/>
+          </p:nvPr>
+        </p:nvSpPr>
+        <p:spPr/>
+        <p:txBody>
+          <a:bodyPr/>
+          <a:lstStyle/>
+          <a:p>
+            <a:endParaRPr lang="en-US"/>
+          </a:p>
+        </p:txBody>
+      </p:sp>
+    </p:spTree>
+    <p:extLst>
+      <p:ext uri="{BB962C8B-B14F-4D97-AF65-F5344CB8AC3E}">
+        <p14:creationId xmlns:p14="http://schemas.microsoft.com/office/powerpoint/2010/main" val="822506833"/>
+      </p:ext>
+    </p:extLst>
+  </p:cSld>
+  <p:clrMapOvr>
+    <a:masterClrMapping/>
+  </p:clrMapOvr>
+</p:sld>
+</file>
+
+<file path=ppt/slides/slide40.xml><?xml version="1.0" encoding="utf-8"?>
 <p:sld xmlns:a="http://schemas.openxmlformats.org/drawingml/2006/main" xmlns:r="http://schemas.openxmlformats.org/officeDocument/2006/relationships" xmlns:p="http://schemas.openxmlformats.org/presentationml/2006/main">
   <p:cSld>
     <p:bg>
@@ -30369,89 +30200,6 @@
 </p:sld>
 </file>
 
-<file path=ppt/slides/slide43.xml><?xml version="1.0" encoding="utf-8"?>
-<p:sld xmlns:a="http://schemas.openxmlformats.org/drawingml/2006/main" xmlns:r="http://schemas.openxmlformats.org/officeDocument/2006/relationships" xmlns:p="http://schemas.openxmlformats.org/presentationml/2006/main">
-  <p:cSld>
-    <p:spTree>
-      <p:nvGrpSpPr>
-        <p:cNvPr id="1" name=""/>
-        <p:cNvGrpSpPr/>
-        <p:nvPr/>
-      </p:nvGrpSpPr>
-      <p:grpSpPr>
-        <a:xfrm>
-          <a:off x="0" y="0"/>
-          <a:ext cx="0" cy="0"/>
-          <a:chOff x="0" y="0"/>
-          <a:chExt cx="0" cy="0"/>
-        </a:xfrm>
-      </p:grpSpPr>
-      <p:sp>
-        <p:nvSpPr>
-          <p:cNvPr id="2" name="Title 1">
-            <a:extLst>
-              <a:ext uri="{FF2B5EF4-FFF2-40B4-BE49-F238E27FC236}">
-                <a16:creationId xmlns:a16="http://schemas.microsoft.com/office/drawing/2014/main" id="{548F4048-4F74-76D5-9AF7-6E9DE9DB23C4}"/>
-              </a:ext>
-            </a:extLst>
-          </p:cNvPr>
-          <p:cNvSpPr>
-            <a:spLocks noGrp="1"/>
-          </p:cNvSpPr>
-          <p:nvPr>
-            <p:ph type="title"/>
-          </p:nvPr>
-        </p:nvSpPr>
-        <p:spPr/>
-        <p:txBody>
-          <a:bodyPr/>
-          <a:lstStyle/>
-          <a:p>
-            <a:r>
-              <a:rPr lang="en-US" dirty="0"/>
-              <a:t>Coding Example</a:t>
-            </a:r>
-          </a:p>
-        </p:txBody>
-      </p:sp>
-      <p:sp>
-        <p:nvSpPr>
-          <p:cNvPr id="3" name="Text Placeholder 2">
-            <a:extLst>
-              <a:ext uri="{FF2B5EF4-FFF2-40B4-BE49-F238E27FC236}">
-                <a16:creationId xmlns:a16="http://schemas.microsoft.com/office/drawing/2014/main" id="{49A96A67-3702-398C-0D73-72AB2E804A42}"/>
-              </a:ext>
-            </a:extLst>
-          </p:cNvPr>
-          <p:cNvSpPr>
-            <a:spLocks noGrp="1"/>
-          </p:cNvSpPr>
-          <p:nvPr>
-            <p:ph type="body" idx="1"/>
-          </p:nvPr>
-        </p:nvSpPr>
-        <p:spPr/>
-        <p:txBody>
-          <a:bodyPr/>
-          <a:lstStyle/>
-          <a:p>
-            <a:endParaRPr lang="en-US"/>
-          </a:p>
-        </p:txBody>
-      </p:sp>
-    </p:spTree>
-    <p:extLst>
-      <p:ext uri="{BB962C8B-B14F-4D97-AF65-F5344CB8AC3E}">
-        <p14:creationId xmlns:p14="http://schemas.microsoft.com/office/powerpoint/2010/main" val="2451309749"/>
-      </p:ext>
-    </p:extLst>
-  </p:cSld>
-  <p:clrMapOvr>
-    <a:masterClrMapping/>
-  </p:clrMapOvr>
-</p:sld>
-</file>
-
 <file path=ppt/slides/slide5.xml><?xml version="1.0" encoding="utf-8"?>
 <p:sld xmlns:a="http://schemas.openxmlformats.org/drawingml/2006/main" xmlns:r="http://schemas.openxmlformats.org/officeDocument/2006/relationships" xmlns:p="http://schemas.openxmlformats.org/presentationml/2006/main">
   <p:cSld>
@@ -31124,8 +30872,8 @@
           <a:chExt cx="0" cy="0"/>
         </a:xfrm>
       </p:grpSpPr>
-      <mc:AlternateContent xmlns:mc="http://schemas.openxmlformats.org/markup-compatibility/2006">
-        <mc:Choice xmlns:a14="http://schemas.microsoft.com/office/drawing/2010/main" Requires="a14">
+      <mc:AlternateContent xmlns:mc="http://schemas.openxmlformats.org/markup-compatibility/2006" xmlns:a14="http://schemas.microsoft.com/office/drawing/2010/main">
+        <mc:Choice Requires="a14">
           <p:sp>
             <p:nvSpPr>
               <p:cNvPr id="2" name="Title 1">
@@ -31218,7 +30966,7 @@
             </p:txBody>
           </p:sp>
         </mc:Choice>
-        <mc:Fallback>
+        <mc:Fallback xmlns="">
           <p:sp>
             <p:nvSpPr>
               <p:cNvPr id="2" name="Title 1">

--- a/assets/presentations/MSANDE228_Lecture5_Prediction_with_High_Dimensional_Linear_Models.pptx
+++ b/assets/presentations/MSANDE228_Lecture5_Prediction_with_High_Dimensional_Linear_Models.pptx
@@ -22490,8 +22490,8 @@
           </a:p>
         </p:txBody>
       </p:sp>
-      <mc:AlternateContent xmlns:mc="http://schemas.openxmlformats.org/markup-compatibility/2006" xmlns:a14="http://schemas.microsoft.com/office/drawing/2010/main">
-        <mc:Choice Requires="a14">
+      <mc:AlternateContent xmlns:mc="http://schemas.openxmlformats.org/markup-compatibility/2006">
+        <mc:Choice xmlns:a14="http://schemas.microsoft.com/office/drawing/2010/main" Requires="a14">
           <p:sp>
             <p:nvSpPr>
               <p:cNvPr id="3" name="Content Placeholder 2">
@@ -22781,7 +22781,7 @@
                         <a:rPr lang="en-US" b="0" i="1" smtClean="0">
                           <a:latin typeface="Cambria Math" panose="02040503050406030204" pitchFamily="18" charset="0"/>
                         </a:rPr>
-                        <m:t>≤</m:t>
+                        <m:t>&lt;</m:t>
                       </m:r>
                       <m:r>
                         <a:rPr lang="en-US" b="0" i="1" smtClean="0">
@@ -22919,7 +22919,19 @@
                         <a:rPr lang="en-US" b="0" i="1" smtClean="0">
                           <a:latin typeface="Cambria Math" panose="02040503050406030204" pitchFamily="18" charset="0"/>
                         </a:rPr>
-                        <m:t>=0,  </m:t>
+                        <m:t>&lt;</m:t>
+                      </m:r>
+                      <m:r>
+                        <a:rPr lang="en-US" b="0" i="1" smtClean="0">
+                          <a:latin typeface="Cambria Math" panose="02040503050406030204" pitchFamily="18" charset="0"/>
+                        </a:rPr>
+                        <m:t>𝜆</m:t>
+                      </m:r>
+                      <m:r>
+                        <a:rPr lang="en-US" b="0" i="1" smtClean="0">
+                          <a:latin typeface="Cambria Math" panose="02040503050406030204" pitchFamily="18" charset="0"/>
+                        </a:rPr>
+                        <m:t>,  </m:t>
                       </m:r>
                       <m:sSub>
                         <m:sSubPr>
@@ -23101,7 +23113,7 @@
             </p:txBody>
           </p:sp>
         </mc:Choice>
-        <mc:Fallback xmlns="">
+        <mc:Fallback>
           <p:sp>
             <p:nvSpPr>
               <p:cNvPr id="3" name="Content Placeholder 2">

--- a/assets/presentations/MSANDE228_Lecture5_Prediction_with_High_Dimensional_Linear_Models.pptx
+++ b/assets/presentations/MSANDE228_Lecture5_Prediction_with_High_Dimensional_Linear_Models.pptx
@@ -9149,7 +9149,7 @@
           <a:p>
             <a:fld id="{DE6BA60F-DE6F-45D4-98F5-DAB0AE3C7AA8}" type="datetimeFigureOut">
               <a:rPr lang="en-US" smtClean="0"/>
-              <a:t>1/21/2025</a:t>
+              <a:t>1/24/2025</a:t>
             </a:fld>
             <a:endParaRPr lang="en-US"/>
           </a:p>
@@ -9347,7 +9347,7 @@
           <a:p>
             <a:fld id="{DE6BA60F-DE6F-45D4-98F5-DAB0AE3C7AA8}" type="datetimeFigureOut">
               <a:rPr lang="en-US" smtClean="0"/>
-              <a:t>1/21/2025</a:t>
+              <a:t>1/24/2025</a:t>
             </a:fld>
             <a:endParaRPr lang="en-US"/>
           </a:p>
@@ -9555,7 +9555,7 @@
           <a:p>
             <a:fld id="{DE6BA60F-DE6F-45D4-98F5-DAB0AE3C7AA8}" type="datetimeFigureOut">
               <a:rPr lang="en-US" smtClean="0"/>
-              <a:t>1/21/2025</a:t>
+              <a:t>1/24/2025</a:t>
             </a:fld>
             <a:endParaRPr lang="en-US"/>
           </a:p>
@@ -9753,7 +9753,7 @@
           <a:p>
             <a:fld id="{DE6BA60F-DE6F-45D4-98F5-DAB0AE3C7AA8}" type="datetimeFigureOut">
               <a:rPr lang="en-US" smtClean="0"/>
-              <a:t>1/21/2025</a:t>
+              <a:t>1/24/2025</a:t>
             </a:fld>
             <a:endParaRPr lang="en-US"/>
           </a:p>
@@ -10028,7 +10028,7 @@
           <a:p>
             <a:fld id="{DE6BA60F-DE6F-45D4-98F5-DAB0AE3C7AA8}" type="datetimeFigureOut">
               <a:rPr lang="en-US" smtClean="0"/>
-              <a:t>1/21/2025</a:t>
+              <a:t>1/24/2025</a:t>
             </a:fld>
             <a:endParaRPr lang="en-US"/>
           </a:p>
@@ -10293,7 +10293,7 @@
           <a:p>
             <a:fld id="{DE6BA60F-DE6F-45D4-98F5-DAB0AE3C7AA8}" type="datetimeFigureOut">
               <a:rPr lang="en-US" smtClean="0"/>
-              <a:t>1/21/2025</a:t>
+              <a:t>1/24/2025</a:t>
             </a:fld>
             <a:endParaRPr lang="en-US"/>
           </a:p>
@@ -10705,7 +10705,7 @@
           <a:p>
             <a:fld id="{DE6BA60F-DE6F-45D4-98F5-DAB0AE3C7AA8}" type="datetimeFigureOut">
               <a:rPr lang="en-US" smtClean="0"/>
-              <a:t>1/21/2025</a:t>
+              <a:t>1/24/2025</a:t>
             </a:fld>
             <a:endParaRPr lang="en-US"/>
           </a:p>
@@ -10846,7 +10846,7 @@
           <a:p>
             <a:fld id="{DE6BA60F-DE6F-45D4-98F5-DAB0AE3C7AA8}" type="datetimeFigureOut">
               <a:rPr lang="en-US" smtClean="0"/>
-              <a:t>1/21/2025</a:t>
+              <a:t>1/24/2025</a:t>
             </a:fld>
             <a:endParaRPr lang="en-US"/>
           </a:p>
@@ -10959,7 +10959,7 @@
           <a:p>
             <a:fld id="{DE6BA60F-DE6F-45D4-98F5-DAB0AE3C7AA8}" type="datetimeFigureOut">
               <a:rPr lang="en-US" smtClean="0"/>
-              <a:t>1/21/2025</a:t>
+              <a:t>1/24/2025</a:t>
             </a:fld>
             <a:endParaRPr lang="en-US"/>
           </a:p>
@@ -11270,7 +11270,7 @@
           <a:p>
             <a:fld id="{DE6BA60F-DE6F-45D4-98F5-DAB0AE3C7AA8}" type="datetimeFigureOut">
               <a:rPr lang="en-US" smtClean="0"/>
-              <a:t>1/21/2025</a:t>
+              <a:t>1/24/2025</a:t>
             </a:fld>
             <a:endParaRPr lang="en-US"/>
           </a:p>
@@ -11558,7 +11558,7 @@
           <a:p>
             <a:fld id="{DE6BA60F-DE6F-45D4-98F5-DAB0AE3C7AA8}" type="datetimeFigureOut">
               <a:rPr lang="en-US" smtClean="0"/>
-              <a:t>1/21/2025</a:t>
+              <a:t>1/24/2025</a:t>
             </a:fld>
             <a:endParaRPr lang="en-US"/>
           </a:p>
@@ -11799,7 +11799,7 @@
           <a:p>
             <a:fld id="{DE6BA60F-DE6F-45D4-98F5-DAB0AE3C7AA8}" type="datetimeFigureOut">
               <a:rPr lang="en-US" smtClean="0"/>
-              <a:t>1/21/2025</a:t>
+              <a:t>1/24/2025</a:t>
             </a:fld>
             <a:endParaRPr lang="en-US"/>
           </a:p>
@@ -22490,8 +22490,8 @@
           </a:p>
         </p:txBody>
       </p:sp>
-      <mc:AlternateContent xmlns:mc="http://schemas.openxmlformats.org/markup-compatibility/2006">
-        <mc:Choice xmlns:a14="http://schemas.microsoft.com/office/drawing/2010/main" Requires="a14">
+      <mc:AlternateContent xmlns:mc="http://schemas.openxmlformats.org/markup-compatibility/2006" xmlns:a14="http://schemas.microsoft.com/office/drawing/2010/main">
+        <mc:Choice Requires="a14">
           <p:sp>
             <p:nvSpPr>
               <p:cNvPr id="3" name="Content Placeholder 2">
@@ -23113,7 +23113,7 @@
             </p:txBody>
           </p:sp>
         </mc:Choice>
-        <mc:Fallback>
+        <mc:Fallback xmlns="">
           <p:sp>
             <p:nvSpPr>
               <p:cNvPr id="3" name="Content Placeholder 2">
@@ -23485,8 +23485,8 @@
           </a:p>
         </p:txBody>
       </p:sp>
-      <mc:AlternateContent xmlns:mc="http://schemas.openxmlformats.org/markup-compatibility/2006" xmlns:a14="http://schemas.microsoft.com/office/drawing/2010/main">
-        <mc:Choice Requires="a14">
+      <mc:AlternateContent xmlns:mc="http://schemas.openxmlformats.org/markup-compatibility/2006">
+        <mc:Choice xmlns:a14="http://schemas.microsoft.com/office/drawing/2010/main" Requires="a14">
           <p:sp>
             <p:nvSpPr>
               <p:cNvPr id="3" name="Content Placeholder 2">
@@ -23506,7 +23506,7 @@
             <p:spPr/>
             <p:txBody>
               <a:bodyPr>
-                <a:normAutofit/>
+                <a:normAutofit fontScale="92500" lnSpcReduction="10000"/>
               </a:bodyPr>
               <a:lstStyle/>
               <a:p>
@@ -23662,7 +23662,7 @@
               <a:p>
                 <a:r>
                   <a:rPr lang="en-US" dirty="0"/>
-                  <a:t>But in finite samples</a:t>
+                  <a:t>But in finite samples might be non-zero</a:t>
                 </a:r>
               </a:p>
               <a:p>
@@ -23831,19 +23831,128 @@
               <a:p>
                 <a:r>
                   <a:rPr lang="en-US" dirty="0"/>
-                  <a:t>Might be non-zero. The amount of variation of this is called the noise of the problem; the noise of measuring the marginal predictive ability</a:t>
+                  <a:t>The maximum violation is called the noise of the problem</a:t>
+                </a:r>
+              </a:p>
+              <a:p>
+                <a:pPr marL="0" indent="0">
+                  <a:buNone/>
+                </a:pPr>
+                <a14:m>
+                  <m:oMathPara xmlns:m="http://schemas.openxmlformats.org/officeDocument/2006/math">
+                    <m:oMathParaPr>
+                      <m:jc m:val="centerGroup"/>
+                    </m:oMathParaPr>
+                    <m:oMath xmlns:m="http://schemas.openxmlformats.org/officeDocument/2006/math">
+                      <m:r>
+                        <m:rPr>
+                          <m:sty m:val="p"/>
+                        </m:rPr>
+                        <a:rPr lang="en-US" b="0" i="0" smtClean="0">
+                          <a:latin typeface="Cambria Math" panose="02040503050406030204" pitchFamily="18" charset="0"/>
+                        </a:rPr>
+                        <m:t>Noise</m:t>
+                      </m:r>
+                      <m:r>
+                        <a:rPr lang="en-US" b="0" i="1" smtClean="0">
+                          <a:latin typeface="Cambria Math" panose="02040503050406030204" pitchFamily="18" charset="0"/>
+                        </a:rPr>
+                        <m:t>≔</m:t>
+                      </m:r>
+                      <m:func>
+                        <m:funcPr>
+                          <m:ctrlPr>
+                            <a:rPr lang="en-US" b="0" i="1" smtClean="0">
+                              <a:latin typeface="Cambria Math" panose="02040503050406030204" pitchFamily="18" charset="0"/>
+                            </a:rPr>
+                          </m:ctrlPr>
+                        </m:funcPr>
+                        <m:fName>
+                          <m:limLow>
+                            <m:limLowPr>
+                              <m:ctrlPr>
+                                <a:rPr lang="en-US" b="0" i="1" smtClean="0">
+                                  <a:latin typeface="Cambria Math" panose="02040503050406030204" pitchFamily="18" charset="0"/>
+                                </a:rPr>
+                              </m:ctrlPr>
+                            </m:limLowPr>
+                            <m:e>
+                              <m:r>
+                                <m:rPr>
+                                  <m:sty m:val="p"/>
+                                </m:rPr>
+                                <a:rPr lang="en-US" b="0" i="0" smtClean="0">
+                                  <a:latin typeface="Cambria Math" panose="02040503050406030204" pitchFamily="18" charset="0"/>
+                                </a:rPr>
+                                <m:t>max</m:t>
+                              </m:r>
+                            </m:e>
+                            <m:lim>
+                              <m:r>
+                                <a:rPr lang="en-US" b="0" i="1" smtClean="0">
+                                  <a:latin typeface="Cambria Math" panose="02040503050406030204" pitchFamily="18" charset="0"/>
+                                </a:rPr>
+                                <m:t>𝑗</m:t>
+                              </m:r>
+                            </m:lim>
+                          </m:limLow>
+                        </m:fName>
+                        <m:e>
+                          <m:d>
+                            <m:dPr>
+                              <m:begChr m:val="|"/>
+                              <m:endChr m:val="|"/>
+                              <m:ctrlPr>
+                                <a:rPr lang="en-US" b="0" i="1" smtClean="0">
+                                  <a:latin typeface="Cambria Math" panose="02040503050406030204" pitchFamily="18" charset="0"/>
+                                </a:rPr>
+                              </m:ctrlPr>
+                            </m:dPr>
+                            <m:e>
+                              <m:sSub>
+                                <m:sSubPr>
+                                  <m:ctrlPr>
+                                    <a:rPr lang="en-US" b="0" i="1" smtClean="0">
+                                      <a:latin typeface="Cambria Math" panose="02040503050406030204" pitchFamily="18" charset="0"/>
+                                    </a:rPr>
+                                  </m:ctrlPr>
+                                </m:sSubPr>
+                                <m:e>
+                                  <m:r>
+                                    <a:rPr lang="en-US" b="0" i="1" smtClean="0">
+                                      <a:latin typeface="Cambria Math" panose="02040503050406030204" pitchFamily="18" charset="0"/>
+                                    </a:rPr>
+                                    <m:t>𝑆</m:t>
+                                  </m:r>
+                                </m:e>
+                                <m:sub>
+                                  <m:r>
+                                    <a:rPr lang="en-US" b="0" i="1" smtClean="0">
+                                      <a:latin typeface="Cambria Math" panose="02040503050406030204" pitchFamily="18" charset="0"/>
+                                    </a:rPr>
+                                    <m:t>𝑗</m:t>
+                                  </m:r>
+                                </m:sub>
+                              </m:sSub>
+                            </m:e>
+                          </m:d>
+                        </m:e>
+                      </m:func>
+                    </m:oMath>
+                  </m:oMathPara>
+                </a14:m>
+                <a:endParaRPr lang="en-US" dirty="0"/>
+              </a:p>
+              <a:p>
+                <a:r>
+                  <a:rPr lang="en-US" dirty="0"/>
+                  <a:t>Any violation of the order of magnitude of the Noise is ok to allow in samples, as even the true parameter will have this much violation</a:t>
                 </a:r>
               </a:p>
               <a:p>
                 <a:r>
                   <a:rPr lang="en-US" dirty="0"/>
-                  <a:t>We need the penalty to be larger than this inherent noise</a:t>
-                </a:r>
-              </a:p>
-              <a:p>
-                <a:r>
-                  <a:rPr lang="en-US" dirty="0"/>
-                  <a:t>Otherwise even good solutions, like the true </a:t>
+                  <a:t>We only want to change move parameters away from zero only to fix violations that are of larger magnitude! Thus, we want to set </a:t>
                 </a:r>
                 <a14:m>
                   <m:oMath xmlns:m="http://schemas.openxmlformats.org/officeDocument/2006/math">
@@ -23851,19 +23960,34 @@
                       <a:rPr lang="en-US" b="0" i="1" smtClean="0">
                         <a:latin typeface="Cambria Math" panose="02040503050406030204" pitchFamily="18" charset="0"/>
                       </a:rPr>
-                      <m:t>𝛽</m:t>
+                      <m:t>𝜆</m:t>
+                    </m:r>
+                    <m:r>
+                      <a:rPr lang="en-US" b="0" i="1" smtClean="0">
+                        <a:latin typeface="Cambria Math" panose="02040503050406030204" pitchFamily="18" charset="0"/>
+                      </a:rPr>
+                      <m:t>∼</m:t>
+                    </m:r>
+                    <m:r>
+                      <m:rPr>
+                        <m:sty m:val="p"/>
+                      </m:rPr>
+                      <a:rPr lang="en-US" b="0" i="0" smtClean="0">
+                        <a:latin typeface="Cambria Math" panose="02040503050406030204" pitchFamily="18" charset="0"/>
+                      </a:rPr>
+                      <m:t>Noise</m:t>
                     </m:r>
                   </m:oMath>
                 </a14:m>
                 <a:r>
                   <a:rPr lang="en-US" dirty="0"/>
-                  <a:t>, will be ruled out</a:t>
+                  <a:t>!</a:t>
                 </a:r>
               </a:p>
             </p:txBody>
           </p:sp>
         </mc:Choice>
-        <mc:Fallback xmlns="">
+        <mc:Fallback>
           <p:sp>
             <p:nvSpPr>
               <p:cNvPr id="3" name="Content Placeholder 2">
@@ -23884,7 +24008,7 @@
               <a:blipFill>
                 <a:blip r:embed="rId2"/>
                 <a:stretch>
-                  <a:fillRect l="-1043" t="-2241"/>
+                  <a:fillRect l="-928" t="-2801"/>
                 </a:stretch>
               </a:blipFill>
             </p:spPr>
@@ -23913,263 +24037,6 @@
   <p:clrMapOvr>
     <a:masterClrMapping/>
   </p:clrMapOvr>
-  <p:timing>
-    <p:tnLst>
-      <p:par>
-        <p:cTn id="1" dur="indefinite" restart="never" nodeType="tmRoot">
-          <p:childTnLst>
-            <p:seq concurrent="1" nextAc="seek">
-              <p:cTn id="2" dur="indefinite" nodeType="mainSeq">
-                <p:childTnLst>
-                  <p:par>
-                    <p:cTn id="3" fill="hold">
-                      <p:stCondLst>
-                        <p:cond delay="indefinite"/>
-                      </p:stCondLst>
-                      <p:childTnLst>
-                        <p:par>
-                          <p:cTn id="4" fill="hold">
-                            <p:stCondLst>
-                              <p:cond delay="0"/>
-                            </p:stCondLst>
-                            <p:childTnLst>
-                              <p:par>
-                                <p:cTn id="5" presetID="1" presetClass="entr" presetSubtype="0" fill="hold" nodeType="clickEffect">
-                                  <p:stCondLst>
-                                    <p:cond delay="0"/>
-                                  </p:stCondLst>
-                                  <p:childTnLst>
-                                    <p:set>
-                                      <p:cBhvr>
-                                        <p:cTn id="6" dur="1" fill="hold">
-                                          <p:stCondLst>
-                                            <p:cond delay="0"/>
-                                          </p:stCondLst>
-                                        </p:cTn>
-                                        <p:tgtEl>
-                                          <p:spTgt spid="3">
-                                            <p:txEl>
-                                              <p:pRg st="2" end="2"/>
-                                            </p:txEl>
-                                          </p:spTgt>
-                                        </p:tgtEl>
-                                        <p:attrNameLst>
-                                          <p:attrName>style.visibility</p:attrName>
-                                        </p:attrNameLst>
-                                      </p:cBhvr>
-                                      <p:to>
-                                        <p:strVal val="visible"/>
-                                      </p:to>
-                                    </p:set>
-                                  </p:childTnLst>
-                                </p:cTn>
-                              </p:par>
-                              <p:par>
-                                <p:cTn id="7" presetID="1" presetClass="entr" presetSubtype="0" fill="hold" nodeType="withEffect">
-                                  <p:stCondLst>
-                                    <p:cond delay="0"/>
-                                  </p:stCondLst>
-                                  <p:childTnLst>
-                                    <p:set>
-                                      <p:cBhvr>
-                                        <p:cTn id="8" dur="1" fill="hold">
-                                          <p:stCondLst>
-                                            <p:cond delay="0"/>
-                                          </p:stCondLst>
-                                        </p:cTn>
-                                        <p:tgtEl>
-                                          <p:spTgt spid="3">
-                                            <p:txEl>
-                                              <p:pRg st="3" end="3"/>
-                                            </p:txEl>
-                                          </p:spTgt>
-                                        </p:tgtEl>
-                                        <p:attrNameLst>
-                                          <p:attrName>style.visibility</p:attrName>
-                                        </p:attrNameLst>
-                                      </p:cBhvr>
-                                      <p:to>
-                                        <p:strVal val="visible"/>
-                                      </p:to>
-                                    </p:set>
-                                  </p:childTnLst>
-                                </p:cTn>
-                              </p:par>
-                            </p:childTnLst>
-                          </p:cTn>
-                        </p:par>
-                      </p:childTnLst>
-                    </p:cTn>
-                  </p:par>
-                  <p:par>
-                    <p:cTn id="9" fill="hold">
-                      <p:stCondLst>
-                        <p:cond delay="indefinite"/>
-                      </p:stCondLst>
-                      <p:childTnLst>
-                        <p:par>
-                          <p:cTn id="10" fill="hold">
-                            <p:stCondLst>
-                              <p:cond delay="0"/>
-                            </p:stCondLst>
-                            <p:childTnLst>
-                              <p:par>
-                                <p:cTn id="11" presetID="1" presetClass="entr" presetSubtype="0" fill="hold" nodeType="clickEffect">
-                                  <p:stCondLst>
-                                    <p:cond delay="0"/>
-                                  </p:stCondLst>
-                                  <p:childTnLst>
-                                    <p:set>
-                                      <p:cBhvr>
-                                        <p:cTn id="12" dur="1" fill="hold">
-                                          <p:stCondLst>
-                                            <p:cond delay="0"/>
-                                          </p:stCondLst>
-                                        </p:cTn>
-                                        <p:tgtEl>
-                                          <p:spTgt spid="3">
-                                            <p:txEl>
-                                              <p:pRg st="4" end="4"/>
-                                            </p:txEl>
-                                          </p:spTgt>
-                                        </p:tgtEl>
-                                        <p:attrNameLst>
-                                          <p:attrName>style.visibility</p:attrName>
-                                        </p:attrNameLst>
-                                      </p:cBhvr>
-                                      <p:to>
-                                        <p:strVal val="visible"/>
-                                      </p:to>
-                                    </p:set>
-                                  </p:childTnLst>
-                                </p:cTn>
-                              </p:par>
-                            </p:childTnLst>
-                          </p:cTn>
-                        </p:par>
-                      </p:childTnLst>
-                    </p:cTn>
-                  </p:par>
-                  <p:par>
-                    <p:cTn id="13" fill="hold">
-                      <p:stCondLst>
-                        <p:cond delay="indefinite"/>
-                      </p:stCondLst>
-                      <p:childTnLst>
-                        <p:par>
-                          <p:cTn id="14" fill="hold">
-                            <p:stCondLst>
-                              <p:cond delay="0"/>
-                            </p:stCondLst>
-                            <p:childTnLst>
-                              <p:par>
-                                <p:cTn id="15" presetID="1" presetClass="entr" presetSubtype="0" fill="hold" nodeType="clickEffect">
-                                  <p:stCondLst>
-                                    <p:cond delay="0"/>
-                                  </p:stCondLst>
-                                  <p:childTnLst>
-                                    <p:set>
-                                      <p:cBhvr>
-                                        <p:cTn id="16" dur="1" fill="hold">
-                                          <p:stCondLst>
-                                            <p:cond delay="0"/>
-                                          </p:stCondLst>
-                                        </p:cTn>
-                                        <p:tgtEl>
-                                          <p:spTgt spid="3">
-                                            <p:txEl>
-                                              <p:pRg st="5" end="5"/>
-                                            </p:txEl>
-                                          </p:spTgt>
-                                        </p:tgtEl>
-                                        <p:attrNameLst>
-                                          <p:attrName>style.visibility</p:attrName>
-                                        </p:attrNameLst>
-                                      </p:cBhvr>
-                                      <p:to>
-                                        <p:strVal val="visible"/>
-                                      </p:to>
-                                    </p:set>
-                                  </p:childTnLst>
-                                </p:cTn>
-                              </p:par>
-                            </p:childTnLst>
-                          </p:cTn>
-                        </p:par>
-                      </p:childTnLst>
-                    </p:cTn>
-                  </p:par>
-                  <p:par>
-                    <p:cTn id="17" fill="hold">
-                      <p:stCondLst>
-                        <p:cond delay="indefinite"/>
-                      </p:stCondLst>
-                      <p:childTnLst>
-                        <p:par>
-                          <p:cTn id="18" fill="hold">
-                            <p:stCondLst>
-                              <p:cond delay="0"/>
-                            </p:stCondLst>
-                            <p:childTnLst>
-                              <p:par>
-                                <p:cTn id="19" presetID="1" presetClass="entr" presetSubtype="0" fill="hold" nodeType="clickEffect">
-                                  <p:stCondLst>
-                                    <p:cond delay="0"/>
-                                  </p:stCondLst>
-                                  <p:childTnLst>
-                                    <p:set>
-                                      <p:cBhvr>
-                                        <p:cTn id="20" dur="1" fill="hold">
-                                          <p:stCondLst>
-                                            <p:cond delay="0"/>
-                                          </p:stCondLst>
-                                        </p:cTn>
-                                        <p:tgtEl>
-                                          <p:spTgt spid="3">
-                                            <p:txEl>
-                                              <p:pRg st="6" end="6"/>
-                                            </p:txEl>
-                                          </p:spTgt>
-                                        </p:tgtEl>
-                                        <p:attrNameLst>
-                                          <p:attrName>style.visibility</p:attrName>
-                                        </p:attrNameLst>
-                                      </p:cBhvr>
-                                      <p:to>
-                                        <p:strVal val="visible"/>
-                                      </p:to>
-                                    </p:set>
-                                  </p:childTnLst>
-                                </p:cTn>
-                              </p:par>
-                            </p:childTnLst>
-                          </p:cTn>
-                        </p:par>
-                      </p:childTnLst>
-                    </p:cTn>
-                  </p:par>
-                </p:childTnLst>
-              </p:cTn>
-              <p:prevCondLst>
-                <p:cond evt="onPrev" delay="0">
-                  <p:tgtEl>
-                    <p:sldTgt/>
-                  </p:tgtEl>
-                </p:cond>
-              </p:prevCondLst>
-              <p:nextCondLst>
-                <p:cond evt="onNext" delay="0">
-                  <p:tgtEl>
-                    <p:sldTgt/>
-                  </p:tgtEl>
-                </p:cond>
-              </p:nextCondLst>
-            </p:seq>
-          </p:childTnLst>
-        </p:cTn>
-      </p:par>
-    </p:tnLst>
-  </p:timing>
 </p:sld>
 </file>
 
@@ -24218,8 +24085,8 @@
           </a:p>
         </p:txBody>
       </p:sp>
-      <mc:AlternateContent xmlns:mc="http://schemas.openxmlformats.org/markup-compatibility/2006" xmlns:a14="http://schemas.microsoft.com/office/drawing/2010/main">
-        <mc:Choice Requires="a14">
+      <mc:AlternateContent xmlns:mc="http://schemas.openxmlformats.org/markup-compatibility/2006">
+        <mc:Choice xmlns:a14="http://schemas.microsoft.com/office/drawing/2010/main" Requires="a14">
           <p:sp>
             <p:nvSpPr>
               <p:cNvPr id="3" name="Content Placeholder 2">
@@ -24752,7 +24619,7 @@
               <a:p>
                 <a:r>
                   <a:rPr lang="en-US" dirty="0"/>
-                  <a:t>Thus we have our condition of </a:t>
+                  <a:t>Thus, we have our condition of </a:t>
                 </a:r>
                 <a14:m>
                   <m:oMath xmlns:m="http://schemas.openxmlformats.org/officeDocument/2006/math">
@@ -25008,7 +24875,7 @@
             </p:txBody>
           </p:sp>
         </mc:Choice>
-        <mc:Fallback xmlns="">
+        <mc:Fallback>
           <p:sp>
             <p:nvSpPr>
               <p:cNvPr id="3" name="Content Placeholder 2">
